--- a/Programación web/PW_Sesion15.pptx
+++ b/Programación web/PW_Sesion15.pptx
@@ -7,25 +7,27 @@
     <p:sldMasterId id="2147483704" r:id="rId3"/>
   </p:sldMasterIdLst>
   <p:notesMasterIdLst>
-    <p:notesMasterId r:id="rId17"/>
+    <p:notesMasterId r:id="rId19"/>
   </p:notesMasterIdLst>
   <p:handoutMasterIdLst>
-    <p:handoutMasterId r:id="rId18"/>
+    <p:handoutMasterId r:id="rId20"/>
   </p:handoutMasterIdLst>
   <p:sldIdLst>
     <p:sldId id="256" r:id="rId4"/>
     <p:sldId id="269" r:id="rId5"/>
-    <p:sldId id="257" r:id="rId6"/>
-    <p:sldId id="258" r:id="rId7"/>
-    <p:sldId id="259" r:id="rId8"/>
-    <p:sldId id="260" r:id="rId9"/>
-    <p:sldId id="262" r:id="rId10"/>
-    <p:sldId id="263" r:id="rId11"/>
-    <p:sldId id="264" r:id="rId12"/>
-    <p:sldId id="265" r:id="rId13"/>
-    <p:sldId id="266" r:id="rId14"/>
-    <p:sldId id="267" r:id="rId15"/>
-    <p:sldId id="261" r:id="rId16"/>
+    <p:sldId id="274" r:id="rId6"/>
+    <p:sldId id="257" r:id="rId7"/>
+    <p:sldId id="258" r:id="rId8"/>
+    <p:sldId id="259" r:id="rId9"/>
+    <p:sldId id="260" r:id="rId10"/>
+    <p:sldId id="262" r:id="rId11"/>
+    <p:sldId id="263" r:id="rId12"/>
+    <p:sldId id="264" r:id="rId13"/>
+    <p:sldId id="265" r:id="rId14"/>
+    <p:sldId id="266" r:id="rId15"/>
+    <p:sldId id="267" r:id="rId16"/>
+    <p:sldId id="270" r:id="rId17"/>
+    <p:sldId id="261" r:id="rId18"/>
   </p:sldIdLst>
   <p:sldSz cx="12192000" cy="6858000"/>
   <p:notesSz cx="6858000" cy="9144000"/>
@@ -229,7 +231,7 @@
           <a:p>
             <a:fld id="{7FF7D7FF-DDC7-474C-8526-899954A31AD1}" type="datetimeFigureOut">
               <a:rPr lang="es-EC" smtClean="0"/>
-              <a:t>15/3/2024</a:t>
+              <a:t>31/3/2024</a:t>
             </a:fld>
             <a:endParaRPr lang="es-EC"/>
           </a:p>
@@ -406,7 +408,7 @@
           <a:p>
             <a:fld id="{A266080D-5226-48DF-A08B-67FADEB85FAB}" type="datetimeFigureOut">
               <a:rPr lang="es-419" smtClean="0"/>
-              <a:t>15/3/2024</a:t>
+              <a:t>31/3/2024</a:t>
             </a:fld>
             <a:endParaRPr lang="es-419"/>
           </a:p>
@@ -805,7 +807,7 @@
           <a:p>
             <a:fld id="{8FEB83C7-CE7D-EE43-931B-A983B2AE7CF3}" type="datetimeFigureOut">
               <a:rPr lang="es-EC" smtClean="0"/>
-              <a:t>15/3/2024</a:t>
+              <a:t>31/3/2024</a:t>
             </a:fld>
             <a:endParaRPr lang="es-EC"/>
           </a:p>
@@ -975,7 +977,7 @@
           <a:p>
             <a:fld id="{8FEB83C7-CE7D-EE43-931B-A983B2AE7CF3}" type="datetimeFigureOut">
               <a:rPr lang="es-EC" smtClean="0"/>
-              <a:t>15/3/2024</a:t>
+              <a:t>31/3/2024</a:t>
             </a:fld>
             <a:endParaRPr lang="es-EC"/>
           </a:p>
@@ -1155,7 +1157,7 @@
           <a:p>
             <a:fld id="{8FEB83C7-CE7D-EE43-931B-A983B2AE7CF3}" type="datetimeFigureOut">
               <a:rPr lang="es-EC" smtClean="0"/>
-              <a:t>15/3/2024</a:t>
+              <a:t>31/3/2024</a:t>
             </a:fld>
             <a:endParaRPr lang="es-EC"/>
           </a:p>
@@ -1541,7 +1543,7 @@
           <a:p>
             <a:fld id="{1D8BD707-D9CF-40AE-B4C6-C98DA3205C09}" type="datetimeFigureOut">
               <a:rPr lang="en-US"/>
-              <a:t>3/15/2024</a:t>
+              <a:t>3/31/2024</a:t>
             </a:fld>
             <a:endParaRPr lang="en-US"/>
           </a:p>
@@ -1802,7 +1804,7 @@
           <a:p>
             <a:fld id="{1D8BD707-D9CF-40AE-B4C6-C98DA3205C09}" type="datetimeFigureOut">
               <a:rPr lang="en-US"/>
-              <a:t>3/15/2024</a:t>
+              <a:t>3/31/2024</a:t>
             </a:fld>
             <a:endParaRPr lang="en-US"/>
           </a:p>
@@ -2026,7 +2028,7 @@
           <a:p>
             <a:fld id="{1D8BD707-D9CF-40AE-B4C6-C98DA3205C09}" type="datetimeFigureOut">
               <a:rPr lang="en-US"/>
-              <a:t>3/15/2024</a:t>
+              <a:t>3/31/2024</a:t>
             </a:fld>
             <a:endParaRPr lang="en-US"/>
           </a:p>
@@ -2214,7 +2216,7 @@
           <a:p>
             <a:fld id="{1D8BD707-D9CF-40AE-B4C6-C98DA3205C09}" type="datetimeFigureOut">
               <a:rPr lang="en-US"/>
-              <a:t>3/15/2024</a:t>
+              <a:t>3/31/2024</a:t>
             </a:fld>
             <a:endParaRPr lang="en-US"/>
           </a:p>
@@ -2338,7 +2340,7 @@
           <a:p>
             <a:fld id="{1D8BD707-D9CF-40AE-B4C6-C98DA3205C09}" type="datetimeFigureOut">
               <a:rPr lang="en-US"/>
-              <a:t>3/15/2024</a:t>
+              <a:t>3/31/2024</a:t>
             </a:fld>
             <a:endParaRPr lang="en-US"/>
           </a:p>
@@ -2498,7 +2500,7 @@
           <a:p>
             <a:fld id="{8FEB83C7-CE7D-EE43-931B-A983B2AE7CF3}" type="datetimeFigureOut">
               <a:rPr lang="es-EC" smtClean="0"/>
-              <a:t>15/3/2024</a:t>
+              <a:t>31/3/2024</a:t>
             </a:fld>
             <a:endParaRPr lang="es-EC"/>
           </a:p>
@@ -2965,7 +2967,7 @@
           <a:p>
             <a:fld id="{8FEB83C7-CE7D-EE43-931B-A983B2AE7CF3}" type="datetimeFigureOut">
               <a:rPr lang="es-EC" smtClean="0"/>
-              <a:t>15/3/2024</a:t>
+              <a:t>31/3/2024</a:t>
             </a:fld>
             <a:endParaRPr lang="es-EC"/>
           </a:p>
@@ -3197,7 +3199,7 @@
           <a:p>
             <a:fld id="{8FEB83C7-CE7D-EE43-931B-A983B2AE7CF3}" type="datetimeFigureOut">
               <a:rPr lang="es-EC" smtClean="0"/>
-              <a:t>15/3/2024</a:t>
+              <a:t>31/3/2024</a:t>
             </a:fld>
             <a:endParaRPr lang="es-EC"/>
           </a:p>
@@ -3564,7 +3566,7 @@
           <a:p>
             <a:fld id="{8FEB83C7-CE7D-EE43-931B-A983B2AE7CF3}" type="datetimeFigureOut">
               <a:rPr lang="es-EC" smtClean="0"/>
-              <a:t>15/3/2024</a:t>
+              <a:t>31/3/2024</a:t>
             </a:fld>
             <a:endParaRPr lang="es-EC"/>
           </a:p>
@@ -3682,7 +3684,7 @@
           <a:p>
             <a:fld id="{8FEB83C7-CE7D-EE43-931B-A983B2AE7CF3}" type="datetimeFigureOut">
               <a:rPr lang="es-EC" smtClean="0"/>
-              <a:t>15/3/2024</a:t>
+              <a:t>31/3/2024</a:t>
             </a:fld>
             <a:endParaRPr lang="es-EC"/>
           </a:p>
@@ -3777,7 +3779,7 @@
           <a:p>
             <a:fld id="{8FEB83C7-CE7D-EE43-931B-A983B2AE7CF3}" type="datetimeFigureOut">
               <a:rPr lang="es-EC" smtClean="0"/>
-              <a:t>15/3/2024</a:t>
+              <a:t>31/3/2024</a:t>
             </a:fld>
             <a:endParaRPr lang="es-EC"/>
           </a:p>
@@ -4054,7 +4056,7 @@
           <a:p>
             <a:fld id="{8FEB83C7-CE7D-EE43-931B-A983B2AE7CF3}" type="datetimeFigureOut">
               <a:rPr lang="es-EC" smtClean="0"/>
-              <a:t>15/3/2024</a:t>
+              <a:t>31/3/2024</a:t>
             </a:fld>
             <a:endParaRPr lang="es-EC"/>
           </a:p>
@@ -4311,7 +4313,7 @@
           <a:p>
             <a:fld id="{8FEB83C7-CE7D-EE43-931B-A983B2AE7CF3}" type="datetimeFigureOut">
               <a:rPr lang="es-EC" smtClean="0"/>
-              <a:t>15/3/2024</a:t>
+              <a:t>31/3/2024</a:t>
             </a:fld>
             <a:endParaRPr lang="es-EC"/>
           </a:p>
@@ -4524,7 +4526,7 @@
           <a:p>
             <a:fld id="{8FEB83C7-CE7D-EE43-931B-A983B2AE7CF3}" type="datetimeFigureOut">
               <a:rPr lang="es-EC" smtClean="0"/>
-              <a:t>15/3/2024</a:t>
+              <a:t>31/3/2024</a:t>
             </a:fld>
             <a:endParaRPr lang="es-EC"/>
           </a:p>
@@ -5088,7 +5090,7 @@
           <a:p>
             <a:fld id="{1D8BD707-D9CF-40AE-B4C6-C98DA3205C09}" type="datetimeFigureOut">
               <a:rPr lang="en-US"/>
-              <a:t>3/15/2024</a:t>
+              <a:t>3/31/2024</a:t>
             </a:fld>
             <a:endParaRPr lang="en-US"/>
           </a:p>
@@ -5440,7 +5442,7 @@
           <a:p>
             <a:fld id="{8FEB83C7-CE7D-EE43-931B-A983B2AE7CF3}" type="datetimeFigureOut">
               <a:rPr lang="es-EC" smtClean="0"/>
-              <a:t>15/3/2024</a:t>
+              <a:t>31/3/2024</a:t>
             </a:fld>
             <a:endParaRPr lang="es-EC"/>
           </a:p>
@@ -5899,8 +5901,8 @@
         </p:nvSpPr>
         <p:spPr>
           <a:xfrm>
-            <a:off x="7902143" y="5134180"/>
-            <a:ext cx="3225563" cy="369332"/>
+            <a:off x="7902143" y="5022212"/>
+            <a:ext cx="3696909" cy="646331"/>
           </a:xfrm>
           <a:prstGeom prst="rect">
             <a:avLst/>
@@ -5915,7 +5917,13 @@
           <a:p>
             <a:r>
               <a:rPr lang="es-419" dirty="0"/>
-              <a:t>Sesión 15: Manejo de funciones </a:t>
+              <a:t>Sesión 15: Manejo de funciones para </a:t>
+            </a:r>
+          </a:p>
+          <a:p>
+            <a:r>
+              <a:rPr lang="es-419" dirty="0"/>
+              <a:t>               ambientes web </a:t>
             </a:r>
           </a:p>
         </p:txBody>
@@ -5934,6 +5942,665 @@
 </file>
 
 <file path=ppt/slides/slide10.xml><?xml version="1.0" encoding="utf-8"?>
+<p:sld xmlns:a="http://schemas.openxmlformats.org/drawingml/2006/main" xmlns:r="http://schemas.openxmlformats.org/officeDocument/2006/relationships" xmlns:p="http://schemas.openxmlformats.org/presentationml/2006/main">
+  <p:cSld>
+    <p:spTree>
+      <p:nvGrpSpPr>
+        <p:cNvPr id="1" name=""/>
+        <p:cNvGrpSpPr/>
+        <p:nvPr/>
+      </p:nvGrpSpPr>
+      <p:grpSpPr>
+        <a:xfrm>
+          <a:off x="0" y="0"/>
+          <a:ext cx="0" cy="0"/>
+          <a:chOff x="0" y="0"/>
+          <a:chExt cx="0" cy="0"/>
+        </a:xfrm>
+      </p:grpSpPr>
+      <p:sp>
+        <p:nvSpPr>
+          <p:cNvPr id="2" name="object 2"/>
+          <p:cNvSpPr txBox="1"/>
+          <p:nvPr/>
+        </p:nvSpPr>
+        <p:spPr>
+          <a:xfrm>
+            <a:off x="783226" y="867541"/>
+            <a:ext cx="4151585" cy="408627"/>
+          </a:xfrm>
+          <a:prstGeom prst="rect">
+            <a:avLst/>
+          </a:prstGeom>
+        </p:spPr>
+        <p:txBody>
+          <a:bodyPr vert="horz" wrap="square" lIns="0" tIns="8879" rIns="0" bIns="0" rtlCol="0">
+            <a:spAutoFit/>
+          </a:bodyPr>
+          <a:lstStyle/>
+          <a:p>
+            <a:pPr marL="8456" defTabSz="608808">
+              <a:spcBef>
+                <a:spcPts val="70"/>
+              </a:spcBef>
+            </a:pPr>
+            <a:r>
+              <a:rPr sz="2597" b="1" spc="-73" dirty="0">
+                <a:solidFill>
+                  <a:prstClr val="black"/>
+                </a:solidFill>
+                <a:latin typeface="Verdana"/>
+                <a:cs typeface="Verdana"/>
+              </a:rPr>
+              <a:t>An</a:t>
+            </a:r>
+            <a:r>
+              <a:rPr sz="2597" b="1" spc="-160" dirty="0">
+                <a:solidFill>
+                  <a:prstClr val="black"/>
+                </a:solidFill>
+                <a:latin typeface="Verdana"/>
+                <a:cs typeface="Verdana"/>
+              </a:rPr>
+              <a:t>á</a:t>
+            </a:r>
+            <a:r>
+              <a:rPr sz="2597" b="1" spc="-140" dirty="0">
+                <a:solidFill>
+                  <a:prstClr val="black"/>
+                </a:solidFill>
+                <a:latin typeface="Verdana"/>
+                <a:cs typeface="Verdana"/>
+              </a:rPr>
+              <a:t>li</a:t>
+            </a:r>
+            <a:r>
+              <a:rPr sz="2597" b="1" spc="-206" dirty="0">
+                <a:solidFill>
+                  <a:prstClr val="black"/>
+                </a:solidFill>
+                <a:latin typeface="Verdana"/>
+                <a:cs typeface="Verdana"/>
+              </a:rPr>
+              <a:t>s</a:t>
+            </a:r>
+            <a:r>
+              <a:rPr sz="2597" b="1" spc="-140" dirty="0">
+                <a:solidFill>
+                  <a:prstClr val="black"/>
+                </a:solidFill>
+                <a:latin typeface="Verdana"/>
+                <a:cs typeface="Verdana"/>
+              </a:rPr>
+              <a:t>i</a:t>
+            </a:r>
+            <a:r>
+              <a:rPr sz="2597" b="1" spc="-203" dirty="0">
+                <a:solidFill>
+                  <a:prstClr val="black"/>
+                </a:solidFill>
+                <a:latin typeface="Verdana"/>
+                <a:cs typeface="Verdana"/>
+              </a:rPr>
+              <a:t>s</a:t>
+            </a:r>
+            <a:r>
+              <a:rPr sz="2597" b="1" spc="-169" dirty="0">
+                <a:solidFill>
+                  <a:prstClr val="black"/>
+                </a:solidFill>
+                <a:latin typeface="Verdana"/>
+                <a:cs typeface="Verdana"/>
+              </a:rPr>
+              <a:t> </a:t>
+            </a:r>
+            <a:r>
+              <a:rPr sz="2597" b="1" spc="-33" dirty="0">
+                <a:solidFill>
+                  <a:prstClr val="black"/>
+                </a:solidFill>
+                <a:latin typeface="Verdana"/>
+                <a:cs typeface="Verdana"/>
+              </a:rPr>
+              <a:t>d</a:t>
+            </a:r>
+            <a:r>
+              <a:rPr sz="2597" b="1" spc="-107" dirty="0">
+                <a:solidFill>
+                  <a:prstClr val="black"/>
+                </a:solidFill>
+                <a:latin typeface="Verdana"/>
+                <a:cs typeface="Verdana"/>
+              </a:rPr>
+              <a:t>e</a:t>
+            </a:r>
+            <a:r>
+              <a:rPr sz="2597" b="1" spc="-169" dirty="0">
+                <a:solidFill>
+                  <a:prstClr val="black"/>
+                </a:solidFill>
+                <a:latin typeface="Verdana"/>
+                <a:cs typeface="Verdana"/>
+              </a:rPr>
+              <a:t> </a:t>
+            </a:r>
+            <a:r>
+              <a:rPr sz="2597" b="1" spc="-133" dirty="0">
+                <a:solidFill>
+                  <a:prstClr val="black"/>
+                </a:solidFill>
+                <a:latin typeface="Verdana"/>
+                <a:cs typeface="Verdana"/>
+              </a:rPr>
+              <a:t>R</a:t>
+            </a:r>
+            <a:r>
+              <a:rPr sz="2597" b="1" spc="-110" dirty="0">
+                <a:solidFill>
+                  <a:prstClr val="black"/>
+                </a:solidFill>
+                <a:latin typeface="Verdana"/>
+                <a:cs typeface="Verdana"/>
+              </a:rPr>
+              <a:t>e</a:t>
+            </a:r>
+            <a:r>
+              <a:rPr sz="2597" b="1" spc="-70" dirty="0">
+                <a:solidFill>
+                  <a:prstClr val="black"/>
+                </a:solidFill>
+                <a:latin typeface="Verdana"/>
+                <a:cs typeface="Verdana"/>
+              </a:rPr>
+              <a:t>n</a:t>
+            </a:r>
+            <a:r>
+              <a:rPr sz="2597" b="1" spc="-33" dirty="0">
+                <a:solidFill>
+                  <a:prstClr val="black"/>
+                </a:solidFill>
+                <a:latin typeface="Verdana"/>
+                <a:cs typeface="Verdana"/>
+              </a:rPr>
+              <a:t>d</a:t>
+            </a:r>
+            <a:r>
+              <a:rPr sz="2597" b="1" spc="-140" dirty="0">
+                <a:solidFill>
+                  <a:prstClr val="black"/>
+                </a:solidFill>
+                <a:latin typeface="Verdana"/>
+                <a:cs typeface="Verdana"/>
+              </a:rPr>
+              <a:t>i</a:t>
+            </a:r>
+            <a:r>
+              <a:rPr sz="2597" b="1" spc="-13" dirty="0">
+                <a:solidFill>
+                  <a:prstClr val="black"/>
+                </a:solidFill>
+                <a:latin typeface="Verdana"/>
+                <a:cs typeface="Verdana"/>
+              </a:rPr>
+              <a:t>m</a:t>
+            </a:r>
+            <a:r>
+              <a:rPr sz="2597" b="1" spc="-140" dirty="0">
+                <a:solidFill>
+                  <a:prstClr val="black"/>
+                </a:solidFill>
+                <a:latin typeface="Verdana"/>
+                <a:cs typeface="Verdana"/>
+              </a:rPr>
+              <a:t>i</a:t>
+            </a:r>
+            <a:r>
+              <a:rPr sz="2597" b="1" spc="-110" dirty="0">
+                <a:solidFill>
+                  <a:prstClr val="black"/>
+                </a:solidFill>
+                <a:latin typeface="Verdana"/>
+                <a:cs typeface="Verdana"/>
+              </a:rPr>
+              <a:t>e</a:t>
+            </a:r>
+            <a:r>
+              <a:rPr sz="2597" b="1" spc="-73" dirty="0">
+                <a:solidFill>
+                  <a:prstClr val="black"/>
+                </a:solidFill>
+                <a:latin typeface="Verdana"/>
+                <a:cs typeface="Verdana"/>
+              </a:rPr>
+              <a:t>n</a:t>
+            </a:r>
+            <a:r>
+              <a:rPr sz="2597" b="1" spc="-130" dirty="0">
+                <a:solidFill>
+                  <a:prstClr val="black"/>
+                </a:solidFill>
+                <a:latin typeface="Verdana"/>
+                <a:cs typeface="Verdana"/>
+              </a:rPr>
+              <a:t>t</a:t>
+            </a:r>
+            <a:r>
+              <a:rPr sz="2597" b="1" spc="-107" dirty="0">
+                <a:solidFill>
+                  <a:prstClr val="black"/>
+                </a:solidFill>
+                <a:latin typeface="Verdana"/>
+                <a:cs typeface="Verdana"/>
+              </a:rPr>
+              <a:t>o</a:t>
+            </a:r>
+            <a:endParaRPr sz="2597">
+              <a:solidFill>
+                <a:prstClr val="black"/>
+              </a:solidFill>
+              <a:latin typeface="Verdana"/>
+              <a:cs typeface="Verdana"/>
+            </a:endParaRPr>
+          </a:p>
+        </p:txBody>
+      </p:sp>
+      <p:sp>
+        <p:nvSpPr>
+          <p:cNvPr id="3" name="object 3"/>
+          <p:cNvSpPr txBox="1">
+            <a:spLocks noGrp="1"/>
+          </p:cNvSpPr>
+          <p:nvPr>
+            <p:ph type="title"/>
+          </p:nvPr>
+        </p:nvSpPr>
+        <p:spPr>
+          <a:xfrm>
+            <a:off x="783226" y="916890"/>
+            <a:ext cx="10989019" cy="1449920"/>
+          </a:xfrm>
+          <a:prstGeom prst="rect">
+            <a:avLst/>
+          </a:prstGeom>
+        </p:spPr>
+        <p:txBody>
+          <a:bodyPr vert="horz" wrap="square" lIns="0" tIns="38898" rIns="0" bIns="0" rtlCol="0">
+            <a:spAutoFit/>
+          </a:bodyPr>
+          <a:lstStyle/>
+          <a:p>
+            <a:pPr marL="5022662" marR="3382">
+              <a:lnSpc>
+                <a:spcPts val="2197"/>
+              </a:lnSpc>
+              <a:spcBef>
+                <a:spcPts val="306"/>
+              </a:spcBef>
+            </a:pPr>
+            <a:r>
+              <a:rPr dirty="0"/>
+              <a:t>Para </a:t>
+            </a:r>
+            <a:r>
+              <a:rPr spc="23" dirty="0"/>
+              <a:t>optimizar </a:t>
+            </a:r>
+            <a:r>
+              <a:rPr spc="27" dirty="0"/>
+              <a:t>eﬁcazmente </a:t>
+            </a:r>
+            <a:r>
+              <a:rPr dirty="0"/>
+              <a:t>el </a:t>
+            </a:r>
+            <a:r>
+              <a:rPr spc="3" dirty="0"/>
+              <a:t>código, </a:t>
+            </a:r>
+            <a:r>
+              <a:rPr spc="-27" dirty="0"/>
+              <a:t>es </a:t>
+            </a:r>
+            <a:r>
+              <a:rPr spc="-23" dirty="0"/>
+              <a:t> </a:t>
+            </a:r>
+            <a:r>
+              <a:rPr spc="47" dirty="0"/>
+              <a:t>cru</a:t>
+            </a:r>
+            <a:r>
+              <a:rPr spc="30" dirty="0"/>
+              <a:t>c</a:t>
+            </a:r>
+            <a:r>
+              <a:rPr spc="-17" dirty="0"/>
+              <a:t>ial</a:t>
+            </a:r>
+            <a:r>
+              <a:rPr spc="-180" dirty="0"/>
+              <a:t> </a:t>
+            </a:r>
+            <a:r>
+              <a:rPr spc="-80" dirty="0"/>
+              <a:t>r</a:t>
+            </a:r>
+            <a:r>
+              <a:rPr spc="-17" dirty="0"/>
+              <a:t>e</a:t>
+            </a:r>
+            <a:r>
+              <a:rPr spc="-27" dirty="0"/>
+              <a:t>alizar</a:t>
+            </a:r>
+            <a:r>
+              <a:rPr spc="-180" dirty="0"/>
+              <a:t> </a:t>
+            </a:r>
+            <a:r>
+              <a:rPr spc="80" dirty="0"/>
+              <a:t>un</a:t>
+            </a:r>
+            <a:r>
+              <a:rPr spc="-180" dirty="0"/>
+              <a:t> </a:t>
+            </a:r>
+            <a:r>
+              <a:rPr b="1" spc="-117" dirty="0"/>
+              <a:t>análisis</a:t>
+            </a:r>
+            <a:r>
+              <a:rPr b="1" spc="-133" dirty="0"/>
+              <a:t> </a:t>
+            </a:r>
+            <a:r>
+              <a:rPr b="1" spc="-57" dirty="0"/>
+              <a:t>de</a:t>
+            </a:r>
+            <a:r>
+              <a:rPr b="1" spc="-133" dirty="0"/>
+              <a:t> </a:t>
+            </a:r>
+            <a:r>
+              <a:rPr b="1" spc="-176" dirty="0"/>
+              <a:t>r</a:t>
+            </a:r>
+            <a:r>
+              <a:rPr b="1" spc="-70" dirty="0"/>
+              <a:t>en</a:t>
+            </a:r>
+            <a:r>
+              <a:rPr b="1" spc="-67" dirty="0"/>
+              <a:t>dimien</a:t>
+            </a:r>
+            <a:r>
+              <a:rPr b="1" spc="-87" dirty="0"/>
+              <a:t>t</a:t>
+            </a:r>
+            <a:r>
+              <a:rPr b="1" spc="-83" dirty="0"/>
+              <a:t>o</a:t>
+            </a:r>
+            <a:r>
+              <a:rPr spc="-300" dirty="0"/>
+              <a:t>.  </a:t>
+            </a:r>
+            <a:r>
+              <a:rPr spc="-3" dirty="0"/>
+              <a:t>Exploraremos</a:t>
+            </a:r>
+            <a:r>
+              <a:rPr spc="-176" dirty="0"/>
+              <a:t> </a:t>
+            </a:r>
+            <a:r>
+              <a:rPr spc="3" dirty="0"/>
+              <a:t>herramientas</a:t>
+            </a:r>
+            <a:r>
+              <a:rPr spc="-173" dirty="0"/>
+              <a:t> </a:t>
+            </a:r>
+            <a:r>
+              <a:rPr spc="-100" dirty="0"/>
+              <a:t>y</a:t>
+            </a:r>
+            <a:r>
+              <a:rPr spc="-176" dirty="0"/>
+              <a:t> </a:t>
+            </a:r>
+            <a:r>
+              <a:rPr spc="17" dirty="0"/>
+              <a:t>técnicas</a:t>
+            </a:r>
+            <a:r>
+              <a:rPr spc="-173" dirty="0"/>
+              <a:t> </a:t>
+            </a:r>
+            <a:r>
+              <a:rPr spc="-23" dirty="0"/>
+              <a:t>para </a:t>
+            </a:r>
+            <a:r>
+              <a:rPr spc="-692" dirty="0"/>
+              <a:t> </a:t>
+            </a:r>
+            <a:r>
+              <a:rPr spc="17" dirty="0"/>
+              <a:t>identiﬁcar cuellos </a:t>
+            </a:r>
+            <a:r>
+              <a:rPr spc="60" dirty="0"/>
+              <a:t>de </a:t>
+            </a:r>
+            <a:r>
+              <a:rPr spc="13" dirty="0"/>
+              <a:t>botella </a:t>
+            </a:r>
+            <a:r>
+              <a:rPr spc="-100" dirty="0"/>
+              <a:t>y </a:t>
+            </a:r>
+            <a:r>
+              <a:rPr spc="-20" dirty="0"/>
+              <a:t>mejorar </a:t>
+            </a:r>
+            <a:r>
+              <a:rPr dirty="0"/>
+              <a:t>el </a:t>
+            </a:r>
+            <a:r>
+              <a:rPr spc="3" dirty="0"/>
+              <a:t> </a:t>
+            </a:r>
+            <a:r>
+              <a:rPr spc="-80" dirty="0"/>
+              <a:t>r</a:t>
+            </a:r>
+            <a:r>
+              <a:rPr spc="57" dirty="0"/>
+              <a:t>endimien</a:t>
+            </a:r>
+            <a:r>
+              <a:rPr spc="-3" dirty="0"/>
+              <a:t>t</a:t>
+            </a:r>
+            <a:r>
+              <a:rPr spc="40" dirty="0"/>
+              <a:t>o</a:t>
+            </a:r>
+            <a:r>
+              <a:rPr spc="-180" dirty="0"/>
+              <a:t> </a:t>
+            </a:r>
+            <a:r>
+              <a:rPr spc="60" dirty="0"/>
+              <a:t>gene</a:t>
+            </a:r>
+            <a:r>
+              <a:rPr spc="-150" dirty="0"/>
+              <a:t>r</a:t>
+            </a:r>
+            <a:r>
+              <a:rPr spc="-17" dirty="0"/>
+              <a:t>al</a:t>
+            </a:r>
+            <a:r>
+              <a:rPr spc="-180" dirty="0"/>
+              <a:t> </a:t>
+            </a:r>
+            <a:r>
+              <a:rPr spc="37" dirty="0"/>
+              <a:t>del</a:t>
+            </a:r>
+            <a:r>
+              <a:rPr spc="-180" dirty="0"/>
+              <a:t> </a:t>
+            </a:r>
+            <a:r>
+              <a:rPr spc="63" dirty="0"/>
+              <a:t>c</a:t>
+            </a:r>
+            <a:r>
+              <a:rPr spc="57" dirty="0"/>
+              <a:t>ódig</a:t>
+            </a:r>
+            <a:r>
+              <a:rPr spc="37" dirty="0"/>
+              <a:t>o</a:t>
+            </a:r>
+            <a:r>
+              <a:rPr spc="-306" dirty="0"/>
+              <a:t>.</a:t>
+            </a:r>
+          </a:p>
+        </p:txBody>
+      </p:sp>
+      <p:sp>
+        <p:nvSpPr>
+          <p:cNvPr id="4" name="object 4"/>
+          <p:cNvSpPr/>
+          <p:nvPr/>
+        </p:nvSpPr>
+        <p:spPr>
+          <a:xfrm>
+            <a:off x="3289" y="651755"/>
+            <a:ext cx="5172674" cy="76106"/>
+          </a:xfrm>
+          <a:custGeom>
+            <a:avLst/>
+            <a:gdLst/>
+            <a:ahLst/>
+            <a:cxnLst/>
+            <a:rect l="l" t="t" r="r" b="b"/>
+            <a:pathLst>
+              <a:path w="7768590" h="114300">
+                <a:moveTo>
+                  <a:pt x="0" y="0"/>
+                </a:moveTo>
+                <a:lnTo>
+                  <a:pt x="0" y="114300"/>
+                </a:lnTo>
+                <a:lnTo>
+                  <a:pt x="7768590" y="114300"/>
+                </a:lnTo>
+                <a:lnTo>
+                  <a:pt x="7768590" y="0"/>
+                </a:lnTo>
+                <a:lnTo>
+                  <a:pt x="0" y="0"/>
+                </a:lnTo>
+                <a:close/>
+              </a:path>
+            </a:pathLst>
+          </a:custGeom>
+          <a:solidFill>
+            <a:srgbClr val="000000"/>
+          </a:solidFill>
+        </p:spPr>
+        <p:txBody>
+          <a:bodyPr wrap="square" lIns="0" tIns="0" rIns="0" bIns="0" rtlCol="0"/>
+          <a:lstStyle/>
+          <a:p>
+            <a:pPr defTabSz="608808"/>
+            <a:endParaRPr sz="1198">
+              <a:solidFill>
+                <a:prstClr val="black"/>
+              </a:solidFill>
+              <a:latin typeface="Calibri"/>
+            </a:endParaRPr>
+          </a:p>
+        </p:txBody>
+      </p:sp>
+      <p:pic>
+        <p:nvPicPr>
+          <p:cNvPr id="5" name="Imagen 4">
+            <a:extLst>
+              <a:ext uri="{FF2B5EF4-FFF2-40B4-BE49-F238E27FC236}">
+                <a16:creationId xmlns:a16="http://schemas.microsoft.com/office/drawing/2014/main" id="{BFBA3890-5AE6-2F72-B9DF-FE1B3937D1BC}"/>
+              </a:ext>
+            </a:extLst>
+          </p:cNvPr>
+          <p:cNvPicPr>
+            <a:picLocks noChangeAspect="1"/>
+          </p:cNvPicPr>
+          <p:nvPr/>
+        </p:nvPicPr>
+        <p:blipFill>
+          <a:blip r:embed="rId2"/>
+          <a:stretch>
+            <a:fillRect/>
+          </a:stretch>
+        </p:blipFill>
+        <p:spPr>
+          <a:xfrm>
+            <a:off x="0" y="-7809"/>
+            <a:ext cx="10451203" cy="594104"/>
+          </a:xfrm>
+          <a:prstGeom prst="rect">
+            <a:avLst/>
+          </a:prstGeom>
+        </p:spPr>
+      </p:pic>
+      <p:pic>
+        <p:nvPicPr>
+          <p:cNvPr id="6" name="Imagen 5">
+            <a:extLst>
+              <a:ext uri="{FF2B5EF4-FFF2-40B4-BE49-F238E27FC236}">
+                <a16:creationId xmlns:a16="http://schemas.microsoft.com/office/drawing/2014/main" id="{47E2C0E5-3992-2438-7C38-80810250CE9E}"/>
+              </a:ext>
+            </a:extLst>
+          </p:cNvPr>
+          <p:cNvPicPr>
+            <a:picLocks noChangeAspect="1"/>
+          </p:cNvPicPr>
+          <p:nvPr/>
+        </p:nvPicPr>
+        <p:blipFill>
+          <a:blip r:embed="rId3"/>
+          <a:stretch>
+            <a:fillRect/>
+          </a:stretch>
+        </p:blipFill>
+        <p:spPr>
+          <a:xfrm>
+            <a:off x="0" y="6117661"/>
+            <a:ext cx="11087100" cy="714375"/>
+          </a:xfrm>
+          <a:prstGeom prst="rect">
+            <a:avLst/>
+          </a:prstGeom>
+        </p:spPr>
+      </p:pic>
+    </p:spTree>
+  </p:cSld>
+  <p:clrMapOvr>
+    <a:masterClrMapping/>
+  </p:clrMapOvr>
+</p:sld>
+</file>
+
+<file path=ppt/slides/slide11.xml><?xml version="1.0" encoding="utf-8"?>
 <p:sld xmlns:a="http://schemas.openxmlformats.org/drawingml/2006/main" xmlns:r="http://schemas.openxmlformats.org/officeDocument/2006/relationships" xmlns:p="http://schemas.openxmlformats.org/presentationml/2006/main">
   <p:cSld>
     <p:spTree>
@@ -6416,7 +7083,7 @@
 </p:sld>
 </file>
 
-<file path=ppt/slides/slide11.xml><?xml version="1.0" encoding="utf-8"?>
+<file path=ppt/slides/slide12.xml><?xml version="1.0" encoding="utf-8"?>
 <p:sld xmlns:a="http://schemas.openxmlformats.org/drawingml/2006/main" xmlns:r="http://schemas.openxmlformats.org/officeDocument/2006/relationships" xmlns:p="http://schemas.openxmlformats.org/presentationml/2006/main">
   <p:cSld>
     <p:spTree>
@@ -7380,7 +8047,7 @@
 </p:sld>
 </file>
 
-<file path=ppt/slides/slide12.xml><?xml version="1.0" encoding="utf-8"?>
+<file path=ppt/slides/slide13.xml><?xml version="1.0" encoding="utf-8"?>
 <p:sld xmlns:a="http://schemas.openxmlformats.org/drawingml/2006/main" xmlns:r="http://schemas.openxmlformats.org/officeDocument/2006/relationships" xmlns:p="http://schemas.openxmlformats.org/presentationml/2006/main" showMasterSp="0">
   <p:cSld>
     <p:spTree>
@@ -8910,7 +9577,203 @@
 </p:sld>
 </file>
 
-<file path=ppt/slides/slide13.xml><?xml version="1.0" encoding="utf-8"?>
+<file path=ppt/slides/slide14.xml><?xml version="1.0" encoding="utf-8"?>
+<p:sld xmlns:a="http://schemas.openxmlformats.org/drawingml/2006/main" xmlns:r="http://schemas.openxmlformats.org/officeDocument/2006/relationships" xmlns:p="http://schemas.openxmlformats.org/presentationml/2006/main">
+  <p:cSld>
+    <p:spTree>
+      <p:nvGrpSpPr>
+        <p:cNvPr id="1" name="">
+          <a:extLst>
+            <a:ext uri="{FF2B5EF4-FFF2-40B4-BE49-F238E27FC236}">
+              <a16:creationId xmlns:a16="http://schemas.microsoft.com/office/drawing/2014/main" id="{4364D4C1-C8CF-D8DA-4037-7B3E8CA56EAE}"/>
+            </a:ext>
+          </a:extLst>
+        </p:cNvPr>
+        <p:cNvGrpSpPr/>
+        <p:nvPr/>
+      </p:nvGrpSpPr>
+      <p:grpSpPr>
+        <a:xfrm>
+          <a:off x="0" y="0"/>
+          <a:ext cx="0" cy="0"/>
+          <a:chOff x="0" y="0"/>
+          <a:chExt cx="0" cy="0"/>
+        </a:xfrm>
+      </p:grpSpPr>
+      <p:sp>
+        <p:nvSpPr>
+          <p:cNvPr id="2" name="Título 1">
+            <a:extLst>
+              <a:ext uri="{FF2B5EF4-FFF2-40B4-BE49-F238E27FC236}">
+                <a16:creationId xmlns:a16="http://schemas.microsoft.com/office/drawing/2014/main" id="{B67F9073-34BB-C42E-1983-2746FE254270}"/>
+              </a:ext>
+            </a:extLst>
+          </p:cNvPr>
+          <p:cNvSpPr>
+            <a:spLocks noGrp="1"/>
+          </p:cNvSpPr>
+          <p:nvPr>
+            <p:ph type="title" idx="4294967295"/>
+          </p:nvPr>
+        </p:nvSpPr>
+        <p:spPr>
+          <a:xfrm>
+            <a:off x="492369" y="1395046"/>
+            <a:ext cx="11218985" cy="295642"/>
+          </a:xfrm>
+        </p:spPr>
+        <p:txBody>
+          <a:bodyPr>
+            <a:noAutofit/>
+          </a:bodyPr>
+          <a:lstStyle/>
+          <a:p>
+            <a:r>
+              <a:rPr lang="es-EC" sz="3200" b="1" dirty="0"/>
+              <a:t>Penúltima Tarea: Responder a estas dos preguntas</a:t>
+            </a:r>
+          </a:p>
+        </p:txBody>
+      </p:sp>
+      <p:sp>
+        <p:nvSpPr>
+          <p:cNvPr id="3" name="Marcador de contenido 2">
+            <a:extLst>
+              <a:ext uri="{FF2B5EF4-FFF2-40B4-BE49-F238E27FC236}">
+                <a16:creationId xmlns:a16="http://schemas.microsoft.com/office/drawing/2014/main" id="{80FFA34E-F3BA-390E-368D-4894037A3CBB}"/>
+              </a:ext>
+            </a:extLst>
+          </p:cNvPr>
+          <p:cNvSpPr>
+            <a:spLocks noGrp="1"/>
+          </p:cNvSpPr>
+          <p:nvPr>
+            <p:ph idx="4294967295"/>
+          </p:nvPr>
+        </p:nvSpPr>
+        <p:spPr>
+          <a:xfrm>
+            <a:off x="492369" y="1825625"/>
+            <a:ext cx="11218985" cy="4351338"/>
+          </a:xfrm>
+        </p:spPr>
+        <p:txBody>
+          <a:bodyPr>
+            <a:normAutofit/>
+          </a:bodyPr>
+          <a:lstStyle/>
+          <a:p>
+            <a:pPr algn="just"/>
+            <a:endParaRPr lang="es-EC" sz="1400" dirty="0"/>
+          </a:p>
+          <a:p>
+            <a:pPr algn="just"/>
+            <a:r>
+              <a:rPr lang="es-EC" sz="1600" dirty="0"/>
+              <a:t>- ¿Qué valor agregado podría yo como profesional </a:t>
+            </a:r>
+            <a:r>
+              <a:rPr lang="es-EC" sz="1600" b="1" dirty="0"/>
+              <a:t>en MARKETING DIGITAL Y COMERCIO ELECTRÓNICO </a:t>
+            </a:r>
+            <a:r>
+              <a:rPr lang="es-EC" sz="1600" dirty="0"/>
+              <a:t>brindar a un cliente, sea una persona o una organización para la que trabaje, a diferencia de herramientas de </a:t>
+            </a:r>
+            <a:r>
+              <a:rPr lang="es-EC" sz="1600" b="1" dirty="0"/>
+              <a:t>INTELIGENCIA ARTIFICIAL</a:t>
+            </a:r>
+            <a:r>
+              <a:rPr lang="es-EC" sz="1600" dirty="0"/>
+              <a:t>?</a:t>
+            </a:r>
+          </a:p>
+          <a:p>
+            <a:pPr algn="just"/>
+            <a:r>
+              <a:rPr lang="es-EC" sz="1600" dirty="0"/>
+              <a:t>- ¿Qué valor agregado podría yo como profesional </a:t>
+            </a:r>
+            <a:r>
+              <a:rPr lang="es-EC" sz="1600" b="1" dirty="0"/>
+              <a:t>en MARKETING DIGITAL Y COMERCIO ELECTRÓNICO </a:t>
+            </a:r>
+            <a:r>
+              <a:rPr lang="es-EC" sz="1600" dirty="0"/>
+              <a:t>brindar a un cliente, sea una persona o una organización para la que trabaje, a diferencia de un grupo de trabajo conformado por especialistas de informática y de marketing?</a:t>
+            </a:r>
+          </a:p>
+          <a:p>
+            <a:pPr algn="just"/>
+            <a:endParaRPr lang="es-EC" sz="1400" dirty="0"/>
+          </a:p>
+          <a:p>
+            <a:endParaRPr lang="es-EC" sz="2000" dirty="0"/>
+          </a:p>
+        </p:txBody>
+      </p:sp>
+      <p:pic>
+        <p:nvPicPr>
+          <p:cNvPr id="1026" name="Picture 2" descr="Qué Funciones Tiene un Técnico de Marketing Digital?】">
+            <a:extLst>
+              <a:ext uri="{FF2B5EF4-FFF2-40B4-BE49-F238E27FC236}">
+                <a16:creationId xmlns:a16="http://schemas.microsoft.com/office/drawing/2014/main" id="{2BB40AC5-F843-3CDD-41D8-34849B52F64E}"/>
+              </a:ext>
+            </a:extLst>
+          </p:cNvPr>
+          <p:cNvPicPr>
+            <a:picLocks noChangeAspect="1" noChangeArrowheads="1"/>
+          </p:cNvPicPr>
+          <p:nvPr/>
+        </p:nvPicPr>
+        <p:blipFill>
+          <a:blip r:embed="rId2">
+            <a:extLst>
+              <a:ext uri="{28A0092B-C50C-407E-A947-70E740481C1C}">
+                <a14:useLocalDpi xmlns:a14="http://schemas.microsoft.com/office/drawing/2010/main" val="0"/>
+              </a:ext>
+            </a:extLst>
+          </a:blip>
+          <a:srcRect/>
+          <a:stretch>
+            <a:fillRect/>
+          </a:stretch>
+        </p:blipFill>
+        <p:spPr bwMode="auto">
+          <a:xfrm>
+            <a:off x="4189155" y="3755571"/>
+            <a:ext cx="3266005" cy="2173378"/>
+          </a:xfrm>
+          <a:prstGeom prst="rect">
+            <a:avLst/>
+          </a:prstGeom>
+          <a:noFill/>
+          <a:extLst>
+            <a:ext uri="{909E8E84-426E-40DD-AFC4-6F175D3DCCD1}">
+              <a14:hiddenFill xmlns:a14="http://schemas.microsoft.com/office/drawing/2010/main">
+                <a:solidFill>
+                  <a:srgbClr val="FFFFFF"/>
+                </a:solidFill>
+              </a14:hiddenFill>
+            </a:ext>
+          </a:extLst>
+        </p:spPr>
+      </p:pic>
+    </p:spTree>
+    <p:extLst>
+      <p:ext uri="{BB962C8B-B14F-4D97-AF65-F5344CB8AC3E}">
+        <p14:creationId xmlns:p14="http://schemas.microsoft.com/office/powerpoint/2010/main" val="265349337"/>
+      </p:ext>
+    </p:extLst>
+  </p:cSld>
+  <p:clrMapOvr>
+    <a:masterClrMapping/>
+  </p:clrMapOvr>
+</p:sld>
+</file>
+
+<file path=ppt/slides/slide15.xml><?xml version="1.0" encoding="utf-8"?>
 <p:sld xmlns:a="http://schemas.openxmlformats.org/drawingml/2006/main" xmlns:r="http://schemas.openxmlformats.org/officeDocument/2006/relationships" xmlns:p="http://schemas.openxmlformats.org/presentationml/2006/main">
   <p:cSld>
     <p:spTree>
@@ -9110,6 +9973,175 @@
       </p:grpSpPr>
       <p:sp>
         <p:nvSpPr>
+          <p:cNvPr id="2" name="Título 1">
+            <a:extLst>
+              <a:ext uri="{FF2B5EF4-FFF2-40B4-BE49-F238E27FC236}">
+                <a16:creationId xmlns:a16="http://schemas.microsoft.com/office/drawing/2014/main" id="{B8ABAACC-5240-4E68-A4E9-ACA6E7A4B0A2}"/>
+              </a:ext>
+            </a:extLst>
+          </p:cNvPr>
+          <p:cNvSpPr>
+            <a:spLocks noGrp="1"/>
+          </p:cNvSpPr>
+          <p:nvPr>
+            <p:ph type="title" idx="4294967295"/>
+          </p:nvPr>
+        </p:nvSpPr>
+        <p:spPr>
+          <a:xfrm>
+            <a:off x="343079" y="1409161"/>
+            <a:ext cx="11218985" cy="295642"/>
+          </a:xfrm>
+        </p:spPr>
+        <p:txBody>
+          <a:bodyPr>
+            <a:noAutofit/>
+          </a:bodyPr>
+          <a:lstStyle/>
+          <a:p>
+            <a:pPr algn="ctr"/>
+            <a:r>
+              <a:rPr lang="es-EC" sz="3200" b="1" dirty="0"/>
+              <a:t>Agenda</a:t>
+            </a:r>
+          </a:p>
+        </p:txBody>
+      </p:sp>
+      <p:sp>
+        <p:nvSpPr>
+          <p:cNvPr id="3" name="Marcador de contenido 2">
+            <a:extLst>
+              <a:ext uri="{FF2B5EF4-FFF2-40B4-BE49-F238E27FC236}">
+                <a16:creationId xmlns:a16="http://schemas.microsoft.com/office/drawing/2014/main" id="{055CBC30-9FA5-4F46-97C3-766A43887EE6}"/>
+              </a:ext>
+            </a:extLst>
+          </p:cNvPr>
+          <p:cNvSpPr>
+            <a:spLocks noGrp="1"/>
+          </p:cNvSpPr>
+          <p:nvPr>
+            <p:ph idx="4294967295"/>
+          </p:nvPr>
+        </p:nvSpPr>
+        <p:spPr>
+          <a:xfrm>
+            <a:off x="492369" y="2012615"/>
+            <a:ext cx="11218985" cy="1171984"/>
+          </a:xfrm>
+        </p:spPr>
+        <p:txBody>
+          <a:bodyPr>
+            <a:normAutofit/>
+          </a:bodyPr>
+          <a:lstStyle/>
+          <a:p>
+            <a:pPr marL="457200" indent="-457200" algn="ctr">
+              <a:buAutoNum type="arabicPeriod"/>
+            </a:pPr>
+            <a:r>
+              <a:rPr lang="es-EC" sz="2000" dirty="0"/>
+              <a:t>¿Qué es una función?</a:t>
+            </a:r>
+          </a:p>
+          <a:p>
+            <a:pPr marL="457200" indent="-457200" algn="ctr">
+              <a:buAutoNum type="arabicPeriod"/>
+            </a:pPr>
+            <a:r>
+              <a:rPr lang="es-EC" sz="2000" dirty="0"/>
+              <a:t>Decoradores y generadores</a:t>
+            </a:r>
+          </a:p>
+          <a:p>
+            <a:pPr marL="457200" indent="-457200" algn="ctr">
+              <a:buAutoNum type="arabicPeriod"/>
+            </a:pPr>
+            <a:r>
+              <a:rPr lang="es-EC" sz="2000" dirty="0"/>
+              <a:t>Optimización de código</a:t>
+            </a:r>
+          </a:p>
+        </p:txBody>
+      </p:sp>
+      <p:pic>
+        <p:nvPicPr>
+          <p:cNvPr id="2050" name="Picture 2" descr="870.700+ Agenda Fotografías de stock, fotos e imágenes libres de derechos -  iStock | Calendario, Indice, Reloj">
+            <a:extLst>
+              <a:ext uri="{FF2B5EF4-FFF2-40B4-BE49-F238E27FC236}">
+                <a16:creationId xmlns:a16="http://schemas.microsoft.com/office/drawing/2014/main" id="{62461B0E-7D99-532C-B023-030084F16629}"/>
+              </a:ext>
+            </a:extLst>
+          </p:cNvPr>
+          <p:cNvPicPr>
+            <a:picLocks noChangeAspect="1" noChangeArrowheads="1"/>
+          </p:cNvPicPr>
+          <p:nvPr/>
+        </p:nvPicPr>
+        <p:blipFill>
+          <a:blip r:embed="rId2">
+            <a:extLst>
+              <a:ext uri="{28A0092B-C50C-407E-A947-70E740481C1C}">
+                <a14:useLocalDpi xmlns:a14="http://schemas.microsoft.com/office/drawing/2010/main" val="0"/>
+              </a:ext>
+            </a:extLst>
+          </a:blip>
+          <a:srcRect/>
+          <a:stretch>
+            <a:fillRect/>
+          </a:stretch>
+        </p:blipFill>
+        <p:spPr bwMode="auto">
+          <a:xfrm>
+            <a:off x="4818289" y="3429000"/>
+            <a:ext cx="2555421" cy="2555421"/>
+          </a:xfrm>
+          <a:prstGeom prst="rect">
+            <a:avLst/>
+          </a:prstGeom>
+          <a:noFill/>
+          <a:extLst>
+            <a:ext uri="{909E8E84-426E-40DD-AFC4-6F175D3DCCD1}">
+              <a14:hiddenFill xmlns:a14="http://schemas.microsoft.com/office/drawing/2010/main">
+                <a:solidFill>
+                  <a:srgbClr val="FFFFFF"/>
+                </a:solidFill>
+              </a14:hiddenFill>
+            </a:ext>
+          </a:extLst>
+        </p:spPr>
+      </p:pic>
+    </p:spTree>
+    <p:extLst>
+      <p:ext uri="{BB962C8B-B14F-4D97-AF65-F5344CB8AC3E}">
+        <p14:creationId xmlns:p14="http://schemas.microsoft.com/office/powerpoint/2010/main" val="15895652"/>
+      </p:ext>
+    </p:extLst>
+  </p:cSld>
+  <p:clrMapOvr>
+    <a:masterClrMapping/>
+  </p:clrMapOvr>
+</p:sld>
+</file>
+
+<file path=ppt/slides/slide4.xml><?xml version="1.0" encoding="utf-8"?>
+<p:sld xmlns:a="http://schemas.openxmlformats.org/drawingml/2006/main" xmlns:r="http://schemas.openxmlformats.org/officeDocument/2006/relationships" xmlns:p="http://schemas.openxmlformats.org/presentationml/2006/main">
+  <p:cSld>
+    <p:spTree>
+      <p:nvGrpSpPr>
+        <p:cNvPr id="1" name=""/>
+        <p:cNvGrpSpPr/>
+        <p:nvPr/>
+      </p:nvGrpSpPr>
+      <p:grpSpPr>
+        <a:xfrm>
+          <a:off x="0" y="0"/>
+          <a:ext cx="0" cy="0"/>
+          <a:chOff x="0" y="0"/>
+          <a:chExt cx="0" cy="0"/>
+        </a:xfrm>
+      </p:grpSpPr>
+      <p:sp>
+        <p:nvSpPr>
           <p:cNvPr id="2" name="object 2"/>
           <p:cNvSpPr txBox="1">
             <a:spLocks noGrp="1"/>
@@ -10209,7 +11241,7 @@
 </p:sld>
 </file>
 
-<file path=ppt/slides/slide4.xml><?xml version="1.0" encoding="utf-8"?>
+<file path=ppt/slides/slide5.xml><?xml version="1.0" encoding="utf-8"?>
 <p:sld xmlns:a="http://schemas.openxmlformats.org/drawingml/2006/main" xmlns:r="http://schemas.openxmlformats.org/officeDocument/2006/relationships" xmlns:p="http://schemas.openxmlformats.org/presentationml/2006/main">
   <p:cSld>
     <p:spTree>
@@ -11393,7 +12425,7 @@
 </p:sld>
 </file>
 
-<file path=ppt/slides/slide5.xml><?xml version="1.0" encoding="utf-8"?>
+<file path=ppt/slides/slide6.xml><?xml version="1.0" encoding="utf-8"?>
 <p:sld xmlns:a="http://schemas.openxmlformats.org/drawingml/2006/main" xmlns:r="http://schemas.openxmlformats.org/officeDocument/2006/relationships" xmlns:p="http://schemas.openxmlformats.org/presentationml/2006/main" showMasterSp="0">
   <p:cSld>
     <p:spTree>
@@ -11998,7 +13030,7 @@
 </p:sld>
 </file>
 
-<file path=ppt/slides/slide6.xml><?xml version="1.0" encoding="utf-8"?>
+<file path=ppt/slides/slide7.xml><?xml version="1.0" encoding="utf-8"?>
 <p:sld xmlns:a="http://schemas.openxmlformats.org/drawingml/2006/main" xmlns:r="http://schemas.openxmlformats.org/officeDocument/2006/relationships" xmlns:p="http://schemas.openxmlformats.org/presentationml/2006/main">
   <p:cSld>
     <p:spTree>
@@ -12629,7 +13661,7 @@
 </p:sld>
 </file>
 
-<file path=ppt/slides/slide7.xml><?xml version="1.0" encoding="utf-8"?>
+<file path=ppt/slides/slide8.xml><?xml version="1.0" encoding="utf-8"?>
 <p:sld xmlns:a="http://schemas.openxmlformats.org/drawingml/2006/main" xmlns:r="http://schemas.openxmlformats.org/officeDocument/2006/relationships" xmlns:p="http://schemas.openxmlformats.org/presentationml/2006/main">
   <p:cSld>
     <p:spTree>
@@ -13372,7 +14404,7 @@
 </p:sld>
 </file>
 
-<file path=ppt/slides/slide8.xml><?xml version="1.0" encoding="utf-8"?>
+<file path=ppt/slides/slide9.xml><?xml version="1.0" encoding="utf-8"?>
 <p:sld xmlns:a="http://schemas.openxmlformats.org/drawingml/2006/main" xmlns:r="http://schemas.openxmlformats.org/officeDocument/2006/relationships" xmlns:p="http://schemas.openxmlformats.org/presentationml/2006/main" showMasterSp="0">
   <p:cSld>
     <p:spTree>
@@ -14480,665 +15512,6 @@
         </p:nvPicPr>
         <p:blipFill>
           <a:blip r:embed="rId4"/>
-          <a:stretch>
-            <a:fillRect/>
-          </a:stretch>
-        </p:blipFill>
-        <p:spPr>
-          <a:xfrm>
-            <a:off x="0" y="6117661"/>
-            <a:ext cx="11087100" cy="714375"/>
-          </a:xfrm>
-          <a:prstGeom prst="rect">
-            <a:avLst/>
-          </a:prstGeom>
-        </p:spPr>
-      </p:pic>
-    </p:spTree>
-  </p:cSld>
-  <p:clrMapOvr>
-    <a:masterClrMapping/>
-  </p:clrMapOvr>
-</p:sld>
-</file>
-
-<file path=ppt/slides/slide9.xml><?xml version="1.0" encoding="utf-8"?>
-<p:sld xmlns:a="http://schemas.openxmlformats.org/drawingml/2006/main" xmlns:r="http://schemas.openxmlformats.org/officeDocument/2006/relationships" xmlns:p="http://schemas.openxmlformats.org/presentationml/2006/main">
-  <p:cSld>
-    <p:spTree>
-      <p:nvGrpSpPr>
-        <p:cNvPr id="1" name=""/>
-        <p:cNvGrpSpPr/>
-        <p:nvPr/>
-      </p:nvGrpSpPr>
-      <p:grpSpPr>
-        <a:xfrm>
-          <a:off x="0" y="0"/>
-          <a:ext cx="0" cy="0"/>
-          <a:chOff x="0" y="0"/>
-          <a:chExt cx="0" cy="0"/>
-        </a:xfrm>
-      </p:grpSpPr>
-      <p:sp>
-        <p:nvSpPr>
-          <p:cNvPr id="2" name="object 2"/>
-          <p:cNvSpPr txBox="1"/>
-          <p:nvPr/>
-        </p:nvSpPr>
-        <p:spPr>
-          <a:xfrm>
-            <a:off x="783226" y="867541"/>
-            <a:ext cx="4151585" cy="408627"/>
-          </a:xfrm>
-          <a:prstGeom prst="rect">
-            <a:avLst/>
-          </a:prstGeom>
-        </p:spPr>
-        <p:txBody>
-          <a:bodyPr vert="horz" wrap="square" lIns="0" tIns="8879" rIns="0" bIns="0" rtlCol="0">
-            <a:spAutoFit/>
-          </a:bodyPr>
-          <a:lstStyle/>
-          <a:p>
-            <a:pPr marL="8456" defTabSz="608808">
-              <a:spcBef>
-                <a:spcPts val="70"/>
-              </a:spcBef>
-            </a:pPr>
-            <a:r>
-              <a:rPr sz="2597" b="1" spc="-73" dirty="0">
-                <a:solidFill>
-                  <a:prstClr val="black"/>
-                </a:solidFill>
-                <a:latin typeface="Verdana"/>
-                <a:cs typeface="Verdana"/>
-              </a:rPr>
-              <a:t>An</a:t>
-            </a:r>
-            <a:r>
-              <a:rPr sz="2597" b="1" spc="-160" dirty="0">
-                <a:solidFill>
-                  <a:prstClr val="black"/>
-                </a:solidFill>
-                <a:latin typeface="Verdana"/>
-                <a:cs typeface="Verdana"/>
-              </a:rPr>
-              <a:t>á</a:t>
-            </a:r>
-            <a:r>
-              <a:rPr sz="2597" b="1" spc="-140" dirty="0">
-                <a:solidFill>
-                  <a:prstClr val="black"/>
-                </a:solidFill>
-                <a:latin typeface="Verdana"/>
-                <a:cs typeface="Verdana"/>
-              </a:rPr>
-              <a:t>li</a:t>
-            </a:r>
-            <a:r>
-              <a:rPr sz="2597" b="1" spc="-206" dirty="0">
-                <a:solidFill>
-                  <a:prstClr val="black"/>
-                </a:solidFill>
-                <a:latin typeface="Verdana"/>
-                <a:cs typeface="Verdana"/>
-              </a:rPr>
-              <a:t>s</a:t>
-            </a:r>
-            <a:r>
-              <a:rPr sz="2597" b="1" spc="-140" dirty="0">
-                <a:solidFill>
-                  <a:prstClr val="black"/>
-                </a:solidFill>
-                <a:latin typeface="Verdana"/>
-                <a:cs typeface="Verdana"/>
-              </a:rPr>
-              <a:t>i</a:t>
-            </a:r>
-            <a:r>
-              <a:rPr sz="2597" b="1" spc="-203" dirty="0">
-                <a:solidFill>
-                  <a:prstClr val="black"/>
-                </a:solidFill>
-                <a:latin typeface="Verdana"/>
-                <a:cs typeface="Verdana"/>
-              </a:rPr>
-              <a:t>s</a:t>
-            </a:r>
-            <a:r>
-              <a:rPr sz="2597" b="1" spc="-169" dirty="0">
-                <a:solidFill>
-                  <a:prstClr val="black"/>
-                </a:solidFill>
-                <a:latin typeface="Verdana"/>
-                <a:cs typeface="Verdana"/>
-              </a:rPr>
-              <a:t> </a:t>
-            </a:r>
-            <a:r>
-              <a:rPr sz="2597" b="1" spc="-33" dirty="0">
-                <a:solidFill>
-                  <a:prstClr val="black"/>
-                </a:solidFill>
-                <a:latin typeface="Verdana"/>
-                <a:cs typeface="Verdana"/>
-              </a:rPr>
-              <a:t>d</a:t>
-            </a:r>
-            <a:r>
-              <a:rPr sz="2597" b="1" spc="-107" dirty="0">
-                <a:solidFill>
-                  <a:prstClr val="black"/>
-                </a:solidFill>
-                <a:latin typeface="Verdana"/>
-                <a:cs typeface="Verdana"/>
-              </a:rPr>
-              <a:t>e</a:t>
-            </a:r>
-            <a:r>
-              <a:rPr sz="2597" b="1" spc="-169" dirty="0">
-                <a:solidFill>
-                  <a:prstClr val="black"/>
-                </a:solidFill>
-                <a:latin typeface="Verdana"/>
-                <a:cs typeface="Verdana"/>
-              </a:rPr>
-              <a:t> </a:t>
-            </a:r>
-            <a:r>
-              <a:rPr sz="2597" b="1" spc="-133" dirty="0">
-                <a:solidFill>
-                  <a:prstClr val="black"/>
-                </a:solidFill>
-                <a:latin typeface="Verdana"/>
-                <a:cs typeface="Verdana"/>
-              </a:rPr>
-              <a:t>R</a:t>
-            </a:r>
-            <a:r>
-              <a:rPr sz="2597" b="1" spc="-110" dirty="0">
-                <a:solidFill>
-                  <a:prstClr val="black"/>
-                </a:solidFill>
-                <a:latin typeface="Verdana"/>
-                <a:cs typeface="Verdana"/>
-              </a:rPr>
-              <a:t>e</a:t>
-            </a:r>
-            <a:r>
-              <a:rPr sz="2597" b="1" spc="-70" dirty="0">
-                <a:solidFill>
-                  <a:prstClr val="black"/>
-                </a:solidFill>
-                <a:latin typeface="Verdana"/>
-                <a:cs typeface="Verdana"/>
-              </a:rPr>
-              <a:t>n</a:t>
-            </a:r>
-            <a:r>
-              <a:rPr sz="2597" b="1" spc="-33" dirty="0">
-                <a:solidFill>
-                  <a:prstClr val="black"/>
-                </a:solidFill>
-                <a:latin typeface="Verdana"/>
-                <a:cs typeface="Verdana"/>
-              </a:rPr>
-              <a:t>d</a:t>
-            </a:r>
-            <a:r>
-              <a:rPr sz="2597" b="1" spc="-140" dirty="0">
-                <a:solidFill>
-                  <a:prstClr val="black"/>
-                </a:solidFill>
-                <a:latin typeface="Verdana"/>
-                <a:cs typeface="Verdana"/>
-              </a:rPr>
-              <a:t>i</a:t>
-            </a:r>
-            <a:r>
-              <a:rPr sz="2597" b="1" spc="-13" dirty="0">
-                <a:solidFill>
-                  <a:prstClr val="black"/>
-                </a:solidFill>
-                <a:latin typeface="Verdana"/>
-                <a:cs typeface="Verdana"/>
-              </a:rPr>
-              <a:t>m</a:t>
-            </a:r>
-            <a:r>
-              <a:rPr sz="2597" b="1" spc="-140" dirty="0">
-                <a:solidFill>
-                  <a:prstClr val="black"/>
-                </a:solidFill>
-                <a:latin typeface="Verdana"/>
-                <a:cs typeface="Verdana"/>
-              </a:rPr>
-              <a:t>i</a:t>
-            </a:r>
-            <a:r>
-              <a:rPr sz="2597" b="1" spc="-110" dirty="0">
-                <a:solidFill>
-                  <a:prstClr val="black"/>
-                </a:solidFill>
-                <a:latin typeface="Verdana"/>
-                <a:cs typeface="Verdana"/>
-              </a:rPr>
-              <a:t>e</a:t>
-            </a:r>
-            <a:r>
-              <a:rPr sz="2597" b="1" spc="-73" dirty="0">
-                <a:solidFill>
-                  <a:prstClr val="black"/>
-                </a:solidFill>
-                <a:latin typeface="Verdana"/>
-                <a:cs typeface="Verdana"/>
-              </a:rPr>
-              <a:t>n</a:t>
-            </a:r>
-            <a:r>
-              <a:rPr sz="2597" b="1" spc="-130" dirty="0">
-                <a:solidFill>
-                  <a:prstClr val="black"/>
-                </a:solidFill>
-                <a:latin typeface="Verdana"/>
-                <a:cs typeface="Verdana"/>
-              </a:rPr>
-              <a:t>t</a:t>
-            </a:r>
-            <a:r>
-              <a:rPr sz="2597" b="1" spc="-107" dirty="0">
-                <a:solidFill>
-                  <a:prstClr val="black"/>
-                </a:solidFill>
-                <a:latin typeface="Verdana"/>
-                <a:cs typeface="Verdana"/>
-              </a:rPr>
-              <a:t>o</a:t>
-            </a:r>
-            <a:endParaRPr sz="2597">
-              <a:solidFill>
-                <a:prstClr val="black"/>
-              </a:solidFill>
-              <a:latin typeface="Verdana"/>
-              <a:cs typeface="Verdana"/>
-            </a:endParaRPr>
-          </a:p>
-        </p:txBody>
-      </p:sp>
-      <p:sp>
-        <p:nvSpPr>
-          <p:cNvPr id="3" name="object 3"/>
-          <p:cNvSpPr txBox="1">
-            <a:spLocks noGrp="1"/>
-          </p:cNvSpPr>
-          <p:nvPr>
-            <p:ph type="title"/>
-          </p:nvPr>
-        </p:nvSpPr>
-        <p:spPr>
-          <a:xfrm>
-            <a:off x="783226" y="916890"/>
-            <a:ext cx="10989019" cy="1449920"/>
-          </a:xfrm>
-          <a:prstGeom prst="rect">
-            <a:avLst/>
-          </a:prstGeom>
-        </p:spPr>
-        <p:txBody>
-          <a:bodyPr vert="horz" wrap="square" lIns="0" tIns="38898" rIns="0" bIns="0" rtlCol="0">
-            <a:spAutoFit/>
-          </a:bodyPr>
-          <a:lstStyle/>
-          <a:p>
-            <a:pPr marL="5022662" marR="3382">
-              <a:lnSpc>
-                <a:spcPts val="2197"/>
-              </a:lnSpc>
-              <a:spcBef>
-                <a:spcPts val="306"/>
-              </a:spcBef>
-            </a:pPr>
-            <a:r>
-              <a:rPr dirty="0"/>
-              <a:t>Para </a:t>
-            </a:r>
-            <a:r>
-              <a:rPr spc="23" dirty="0"/>
-              <a:t>optimizar </a:t>
-            </a:r>
-            <a:r>
-              <a:rPr spc="27" dirty="0"/>
-              <a:t>eﬁcazmente </a:t>
-            </a:r>
-            <a:r>
-              <a:rPr dirty="0"/>
-              <a:t>el </a:t>
-            </a:r>
-            <a:r>
-              <a:rPr spc="3" dirty="0"/>
-              <a:t>código, </a:t>
-            </a:r>
-            <a:r>
-              <a:rPr spc="-27" dirty="0"/>
-              <a:t>es </a:t>
-            </a:r>
-            <a:r>
-              <a:rPr spc="-23" dirty="0"/>
-              <a:t> </a:t>
-            </a:r>
-            <a:r>
-              <a:rPr spc="47" dirty="0"/>
-              <a:t>cru</a:t>
-            </a:r>
-            <a:r>
-              <a:rPr spc="30" dirty="0"/>
-              <a:t>c</a:t>
-            </a:r>
-            <a:r>
-              <a:rPr spc="-17" dirty="0"/>
-              <a:t>ial</a:t>
-            </a:r>
-            <a:r>
-              <a:rPr spc="-180" dirty="0"/>
-              <a:t> </a:t>
-            </a:r>
-            <a:r>
-              <a:rPr spc="-80" dirty="0"/>
-              <a:t>r</a:t>
-            </a:r>
-            <a:r>
-              <a:rPr spc="-17" dirty="0"/>
-              <a:t>e</a:t>
-            </a:r>
-            <a:r>
-              <a:rPr spc="-27" dirty="0"/>
-              <a:t>alizar</a:t>
-            </a:r>
-            <a:r>
-              <a:rPr spc="-180" dirty="0"/>
-              <a:t> </a:t>
-            </a:r>
-            <a:r>
-              <a:rPr spc="80" dirty="0"/>
-              <a:t>un</a:t>
-            </a:r>
-            <a:r>
-              <a:rPr spc="-180" dirty="0"/>
-              <a:t> </a:t>
-            </a:r>
-            <a:r>
-              <a:rPr b="1" spc="-117" dirty="0"/>
-              <a:t>análisis</a:t>
-            </a:r>
-            <a:r>
-              <a:rPr b="1" spc="-133" dirty="0"/>
-              <a:t> </a:t>
-            </a:r>
-            <a:r>
-              <a:rPr b="1" spc="-57" dirty="0"/>
-              <a:t>de</a:t>
-            </a:r>
-            <a:r>
-              <a:rPr b="1" spc="-133" dirty="0"/>
-              <a:t> </a:t>
-            </a:r>
-            <a:r>
-              <a:rPr b="1" spc="-176" dirty="0"/>
-              <a:t>r</a:t>
-            </a:r>
-            <a:r>
-              <a:rPr b="1" spc="-70" dirty="0"/>
-              <a:t>en</a:t>
-            </a:r>
-            <a:r>
-              <a:rPr b="1" spc="-67" dirty="0"/>
-              <a:t>dimien</a:t>
-            </a:r>
-            <a:r>
-              <a:rPr b="1" spc="-87" dirty="0"/>
-              <a:t>t</a:t>
-            </a:r>
-            <a:r>
-              <a:rPr b="1" spc="-83" dirty="0"/>
-              <a:t>o</a:t>
-            </a:r>
-            <a:r>
-              <a:rPr spc="-300" dirty="0"/>
-              <a:t>.  </a:t>
-            </a:r>
-            <a:r>
-              <a:rPr spc="-3" dirty="0"/>
-              <a:t>Exploraremos</a:t>
-            </a:r>
-            <a:r>
-              <a:rPr spc="-176" dirty="0"/>
-              <a:t> </a:t>
-            </a:r>
-            <a:r>
-              <a:rPr spc="3" dirty="0"/>
-              <a:t>herramientas</a:t>
-            </a:r>
-            <a:r>
-              <a:rPr spc="-173" dirty="0"/>
-              <a:t> </a:t>
-            </a:r>
-            <a:r>
-              <a:rPr spc="-100" dirty="0"/>
-              <a:t>y</a:t>
-            </a:r>
-            <a:r>
-              <a:rPr spc="-176" dirty="0"/>
-              <a:t> </a:t>
-            </a:r>
-            <a:r>
-              <a:rPr spc="17" dirty="0"/>
-              <a:t>técnicas</a:t>
-            </a:r>
-            <a:r>
-              <a:rPr spc="-173" dirty="0"/>
-              <a:t> </a:t>
-            </a:r>
-            <a:r>
-              <a:rPr spc="-23" dirty="0"/>
-              <a:t>para </a:t>
-            </a:r>
-            <a:r>
-              <a:rPr spc="-692" dirty="0"/>
-              <a:t> </a:t>
-            </a:r>
-            <a:r>
-              <a:rPr spc="17" dirty="0"/>
-              <a:t>identiﬁcar cuellos </a:t>
-            </a:r>
-            <a:r>
-              <a:rPr spc="60" dirty="0"/>
-              <a:t>de </a:t>
-            </a:r>
-            <a:r>
-              <a:rPr spc="13" dirty="0"/>
-              <a:t>botella </a:t>
-            </a:r>
-            <a:r>
-              <a:rPr spc="-100" dirty="0"/>
-              <a:t>y </a:t>
-            </a:r>
-            <a:r>
-              <a:rPr spc="-20" dirty="0"/>
-              <a:t>mejorar </a:t>
-            </a:r>
-            <a:r>
-              <a:rPr dirty="0"/>
-              <a:t>el </a:t>
-            </a:r>
-            <a:r>
-              <a:rPr spc="3" dirty="0"/>
-              <a:t> </a:t>
-            </a:r>
-            <a:r>
-              <a:rPr spc="-80" dirty="0"/>
-              <a:t>r</a:t>
-            </a:r>
-            <a:r>
-              <a:rPr spc="57" dirty="0"/>
-              <a:t>endimien</a:t>
-            </a:r>
-            <a:r>
-              <a:rPr spc="-3" dirty="0"/>
-              <a:t>t</a:t>
-            </a:r>
-            <a:r>
-              <a:rPr spc="40" dirty="0"/>
-              <a:t>o</a:t>
-            </a:r>
-            <a:r>
-              <a:rPr spc="-180" dirty="0"/>
-              <a:t> </a:t>
-            </a:r>
-            <a:r>
-              <a:rPr spc="60" dirty="0"/>
-              <a:t>gene</a:t>
-            </a:r>
-            <a:r>
-              <a:rPr spc="-150" dirty="0"/>
-              <a:t>r</a:t>
-            </a:r>
-            <a:r>
-              <a:rPr spc="-17" dirty="0"/>
-              <a:t>al</a:t>
-            </a:r>
-            <a:r>
-              <a:rPr spc="-180" dirty="0"/>
-              <a:t> </a:t>
-            </a:r>
-            <a:r>
-              <a:rPr spc="37" dirty="0"/>
-              <a:t>del</a:t>
-            </a:r>
-            <a:r>
-              <a:rPr spc="-180" dirty="0"/>
-              <a:t> </a:t>
-            </a:r>
-            <a:r>
-              <a:rPr spc="63" dirty="0"/>
-              <a:t>c</a:t>
-            </a:r>
-            <a:r>
-              <a:rPr spc="57" dirty="0"/>
-              <a:t>ódig</a:t>
-            </a:r>
-            <a:r>
-              <a:rPr spc="37" dirty="0"/>
-              <a:t>o</a:t>
-            </a:r>
-            <a:r>
-              <a:rPr spc="-306" dirty="0"/>
-              <a:t>.</a:t>
-            </a:r>
-          </a:p>
-        </p:txBody>
-      </p:sp>
-      <p:sp>
-        <p:nvSpPr>
-          <p:cNvPr id="4" name="object 4"/>
-          <p:cNvSpPr/>
-          <p:nvPr/>
-        </p:nvSpPr>
-        <p:spPr>
-          <a:xfrm>
-            <a:off x="3289" y="651755"/>
-            <a:ext cx="5172674" cy="76106"/>
-          </a:xfrm>
-          <a:custGeom>
-            <a:avLst/>
-            <a:gdLst/>
-            <a:ahLst/>
-            <a:cxnLst/>
-            <a:rect l="l" t="t" r="r" b="b"/>
-            <a:pathLst>
-              <a:path w="7768590" h="114300">
-                <a:moveTo>
-                  <a:pt x="0" y="0"/>
-                </a:moveTo>
-                <a:lnTo>
-                  <a:pt x="0" y="114300"/>
-                </a:lnTo>
-                <a:lnTo>
-                  <a:pt x="7768590" y="114300"/>
-                </a:lnTo>
-                <a:lnTo>
-                  <a:pt x="7768590" y="0"/>
-                </a:lnTo>
-                <a:lnTo>
-                  <a:pt x="0" y="0"/>
-                </a:lnTo>
-                <a:close/>
-              </a:path>
-            </a:pathLst>
-          </a:custGeom>
-          <a:solidFill>
-            <a:srgbClr val="000000"/>
-          </a:solidFill>
-        </p:spPr>
-        <p:txBody>
-          <a:bodyPr wrap="square" lIns="0" tIns="0" rIns="0" bIns="0" rtlCol="0"/>
-          <a:lstStyle/>
-          <a:p>
-            <a:pPr defTabSz="608808"/>
-            <a:endParaRPr sz="1198">
-              <a:solidFill>
-                <a:prstClr val="black"/>
-              </a:solidFill>
-              <a:latin typeface="Calibri"/>
-            </a:endParaRPr>
-          </a:p>
-        </p:txBody>
-      </p:sp>
-      <p:pic>
-        <p:nvPicPr>
-          <p:cNvPr id="5" name="Imagen 4">
-            <a:extLst>
-              <a:ext uri="{FF2B5EF4-FFF2-40B4-BE49-F238E27FC236}">
-                <a16:creationId xmlns:a16="http://schemas.microsoft.com/office/drawing/2014/main" id="{BFBA3890-5AE6-2F72-B9DF-FE1B3937D1BC}"/>
-              </a:ext>
-            </a:extLst>
-          </p:cNvPr>
-          <p:cNvPicPr>
-            <a:picLocks noChangeAspect="1"/>
-          </p:cNvPicPr>
-          <p:nvPr/>
-        </p:nvPicPr>
-        <p:blipFill>
-          <a:blip r:embed="rId2"/>
-          <a:stretch>
-            <a:fillRect/>
-          </a:stretch>
-        </p:blipFill>
-        <p:spPr>
-          <a:xfrm>
-            <a:off x="0" y="-7809"/>
-            <a:ext cx="10451203" cy="594104"/>
-          </a:xfrm>
-          <a:prstGeom prst="rect">
-            <a:avLst/>
-          </a:prstGeom>
-        </p:spPr>
-      </p:pic>
-      <p:pic>
-        <p:nvPicPr>
-          <p:cNvPr id="6" name="Imagen 5">
-            <a:extLst>
-              <a:ext uri="{FF2B5EF4-FFF2-40B4-BE49-F238E27FC236}">
-                <a16:creationId xmlns:a16="http://schemas.microsoft.com/office/drawing/2014/main" id="{47E2C0E5-3992-2438-7C38-80810250CE9E}"/>
-              </a:ext>
-            </a:extLst>
-          </p:cNvPr>
-          <p:cNvPicPr>
-            <a:picLocks noChangeAspect="1"/>
-          </p:cNvPicPr>
-          <p:nvPr/>
-        </p:nvPicPr>
-        <p:blipFill>
-          <a:blip r:embed="rId3"/>
           <a:stretch>
             <a:fillRect/>
           </a:stretch>
